--- a/presentation.pptx
+++ b/presentation.pptx
@@ -10,6 +10,8 @@
     <p:sldId id="263" r:id="rId4"/>
     <p:sldId id="261" r:id="rId5"/>
     <p:sldId id="260" r:id="rId6"/>
+    <p:sldId id="265" r:id="rId7"/>
+    <p:sldId id="264" r:id="rId8"/>
   </p:sldIdLst>
   <p:sldSz cx="12192000" cy="6858000"/>
   <p:notesSz cx="6858000" cy="9144000"/>
@@ -108,6 +110,11 @@
       </a:defRPr>
     </a:lvl9pPr>
   </p:defaultTextStyle>
+  <p:extLst>
+    <p:ext uri="{EFAFB233-063F-42B5-8137-9DF3F51BA10A}">
+      <p15:sldGuideLst xmlns:p15="http://schemas.microsoft.com/office/powerpoint/2012/main"/>
+    </p:ext>
+  </p:extLst>
 </p:presentation>
 </file>
 
@@ -311,7 +318,7 @@
           <a:p>
             <a:fld id="{64BF6B26-16A7-4D62-AE3B-D3A83B5C3507}" type="datetimeFigureOut">
               <a:rPr lang="en-US" smtClean="0"/>
-              <a:t>4/26/2018</a:t>
+              <a:t>5/7/2018</a:t>
             </a:fld>
             <a:endParaRPr lang="en-US"/>
           </a:p>
@@ -501,7 +508,7 @@
           <a:p>
             <a:fld id="{64BF6B26-16A7-4D62-AE3B-D3A83B5C3507}" type="datetimeFigureOut">
               <a:rPr lang="en-US" smtClean="0"/>
-              <a:t>4/26/2018</a:t>
+              <a:t>5/7/2018</a:t>
             </a:fld>
             <a:endParaRPr lang="en-US"/>
           </a:p>
@@ -681,7 +688,7 @@
           <a:p>
             <a:fld id="{64BF6B26-16A7-4D62-AE3B-D3A83B5C3507}" type="datetimeFigureOut">
               <a:rPr lang="en-US" smtClean="0"/>
-              <a:t>4/26/2018</a:t>
+              <a:t>5/7/2018</a:t>
             </a:fld>
             <a:endParaRPr lang="en-US"/>
           </a:p>
@@ -851,7 +858,7 @@
           <a:p>
             <a:fld id="{64BF6B26-16A7-4D62-AE3B-D3A83B5C3507}" type="datetimeFigureOut">
               <a:rPr lang="en-US" smtClean="0"/>
-              <a:t>4/26/2018</a:t>
+              <a:t>5/7/2018</a:t>
             </a:fld>
             <a:endParaRPr lang="en-US"/>
           </a:p>
@@ -1107,7 +1114,7 @@
           <a:p>
             <a:fld id="{64BF6B26-16A7-4D62-AE3B-D3A83B5C3507}" type="datetimeFigureOut">
               <a:rPr lang="en-US" smtClean="0"/>
-              <a:t>4/26/2018</a:t>
+              <a:t>5/7/2018</a:t>
             </a:fld>
             <a:endParaRPr lang="en-US"/>
           </a:p>
@@ -1395,7 +1402,7 @@
           <a:p>
             <a:fld id="{64BF6B26-16A7-4D62-AE3B-D3A83B5C3507}" type="datetimeFigureOut">
               <a:rPr lang="en-US" smtClean="0"/>
-              <a:t>4/26/2018</a:t>
+              <a:t>5/7/2018</a:t>
             </a:fld>
             <a:endParaRPr lang="en-US"/>
           </a:p>
@@ -1833,7 +1840,7 @@
           <a:p>
             <a:fld id="{64BF6B26-16A7-4D62-AE3B-D3A83B5C3507}" type="datetimeFigureOut">
               <a:rPr lang="en-US" smtClean="0"/>
-              <a:t>4/26/2018</a:t>
+              <a:t>5/7/2018</a:t>
             </a:fld>
             <a:endParaRPr lang="en-US"/>
           </a:p>
@@ -1951,7 +1958,7 @@
           <a:p>
             <a:fld id="{64BF6B26-16A7-4D62-AE3B-D3A83B5C3507}" type="datetimeFigureOut">
               <a:rPr lang="en-US" smtClean="0"/>
-              <a:t>4/26/2018</a:t>
+              <a:t>5/7/2018</a:t>
             </a:fld>
             <a:endParaRPr lang="en-US"/>
           </a:p>
@@ -2046,7 +2053,7 @@
           <a:p>
             <a:fld id="{64BF6B26-16A7-4D62-AE3B-D3A83B5C3507}" type="datetimeFigureOut">
               <a:rPr lang="en-US" smtClean="0"/>
-              <a:t>4/26/2018</a:t>
+              <a:t>5/7/2018</a:t>
             </a:fld>
             <a:endParaRPr lang="en-US"/>
           </a:p>
@@ -2402,7 +2409,7 @@
           <a:p>
             <a:fld id="{64BF6B26-16A7-4D62-AE3B-D3A83B5C3507}" type="datetimeFigureOut">
               <a:rPr lang="en-US" smtClean="0"/>
-              <a:t>4/26/2018</a:t>
+              <a:t>5/7/2018</a:t>
             </a:fld>
             <a:endParaRPr lang="en-US"/>
           </a:p>
@@ -2718,7 +2725,7 @@
           <a:p>
             <a:fld id="{64BF6B26-16A7-4D62-AE3B-D3A83B5C3507}" type="datetimeFigureOut">
               <a:rPr lang="en-US" smtClean="0"/>
-              <a:t>4/26/2018</a:t>
+              <a:t>5/7/2018</a:t>
             </a:fld>
             <a:endParaRPr lang="en-US"/>
           </a:p>
@@ -2951,7 +2958,7 @@
           <a:p>
             <a:fld id="{64BF6B26-16A7-4D62-AE3B-D3A83B5C3507}" type="datetimeFigureOut">
               <a:rPr lang="en-US" smtClean="0"/>
-              <a:t>4/26/2018</a:t>
+              <a:t>5/7/2018</a:t>
             </a:fld>
             <a:endParaRPr lang="en-US"/>
           </a:p>
@@ -3634,28 +3641,21 @@
             <a:pPr lvl="1"/>
             <a:r>
               <a:rPr lang="en-US" dirty="0"/>
-              <a:t>Can be used for different things</a:t>
-            </a:r>
-          </a:p>
-          <a:p>
-            <a:pPr lvl="1"/>
-            <a:r>
-              <a:rPr lang="en-US" dirty="0"/>
-              <a:t>Creating topographical maps from satellite imagery</a:t>
-            </a:r>
-          </a:p>
-          <a:p>
-            <a:pPr lvl="1"/>
-            <a:r>
-              <a:rPr lang="en-US" dirty="0"/>
-              <a:t>Multiple views can be used</a:t>
-            </a:r>
-          </a:p>
-          <a:p>
-            <a:pPr lvl="1"/>
-            <a:r>
-              <a:rPr lang="en-US" dirty="0"/>
-              <a:t>Modified for use with worse quality images</a:t>
+              <a:t>Can be expanded to other applications</a:t>
+            </a:r>
+          </a:p>
+          <a:p>
+            <a:pPr lvl="2"/>
+            <a:r>
+              <a:rPr lang="en-US" i="0" dirty="0"/>
+              <a:t>Medical imaging</a:t>
+            </a:r>
+          </a:p>
+          <a:p>
+            <a:pPr lvl="2"/>
+            <a:r>
+              <a:rPr lang="en-US" i="0" dirty="0"/>
+              <a:t>Space</a:t>
             </a:r>
           </a:p>
           <a:p>
@@ -3747,19 +3747,19 @@
           <a:p>
             <a:r>
               <a:rPr lang="en-US" dirty="0"/>
-              <a:t>Previous research focused on recreating objects in 3d</a:t>
+              <a:t>Previous research focused on recreating objects in 3d (Gadelha, Maji, &amp; Wang, 2016).  </a:t>
             </a:r>
           </a:p>
           <a:p>
             <a:r>
               <a:rPr lang="en-US" dirty="0"/>
-              <a:t>Previous research also recreated confined rooms</a:t>
+              <a:t>Previous research also recreated confined rooms (Nishimura, 2017).</a:t>
             </a:r>
           </a:p>
           <a:p>
             <a:r>
               <a:rPr lang="en-US" dirty="0"/>
-              <a:t>Other methods to generate terrain use different methods</a:t>
+              <a:t>Other methods to generate 3D geometries use different methods (University of Arkansas, n.d.).</a:t>
             </a:r>
           </a:p>
           <a:p>
@@ -4025,8 +4025,8 @@
         </p:nvSpPr>
         <p:spPr>
           <a:xfrm>
-            <a:off x="452645" y="1222315"/>
-            <a:ext cx="933061" cy="681135"/>
+            <a:off x="498968" y="1152195"/>
+            <a:ext cx="1438799" cy="822257"/>
           </a:xfrm>
           <a:prstGeom prst="roundRect">
             <a:avLst/>
@@ -4085,8 +4085,8 @@
         </p:nvCxnSpPr>
         <p:spPr>
           <a:xfrm flipV="1">
-            <a:off x="1385706" y="1562877"/>
-            <a:ext cx="519276" cy="6"/>
+            <a:off x="1937767" y="1562877"/>
+            <a:ext cx="943813" cy="447"/>
           </a:xfrm>
           <a:prstGeom prst="straightConnector1">
             <a:avLst/>
@@ -4838,8 +4838,8 @@
         </p:nvSpPr>
         <p:spPr>
           <a:xfrm>
-            <a:off x="1904982" y="1050315"/>
-            <a:ext cx="1453441" cy="1025124"/>
+            <a:off x="2881580" y="1329922"/>
+            <a:ext cx="1673911" cy="465909"/>
           </a:xfrm>
           <a:prstGeom prst="roundRect">
             <a:avLst/>
@@ -4868,14 +4868,7 @@
             <a:pPr algn="ctr"/>
             <a:r>
               <a:rPr lang="en-US" dirty="0"/>
-              <a:t>Background removal</a:t>
-            </a:r>
-          </a:p>
-          <a:p>
-            <a:pPr algn="ctr"/>
-            <a:r>
-              <a:rPr lang="en-US" sz="1200" dirty="0"/>
-              <a:t>Remove the sky from the image</a:t>
+              <a:t>Preprocessing</a:t>
             </a:r>
           </a:p>
         </p:txBody>
@@ -4898,8 +4891,8 @@
         </p:nvCxnSpPr>
         <p:spPr>
           <a:xfrm>
-            <a:off x="3358423" y="1562877"/>
-            <a:ext cx="1645895" cy="1"/>
+            <a:off x="4555491" y="1562877"/>
+            <a:ext cx="448827" cy="1"/>
           </a:xfrm>
           <a:prstGeom prst="straightConnector1">
             <a:avLst/>
@@ -4927,6 +4920,667 @@
     <p:extLst>
       <p:ext uri="{BB962C8B-B14F-4D97-AF65-F5344CB8AC3E}">
         <p14:creationId xmlns:p14="http://schemas.microsoft.com/office/powerpoint/2010/main" val="1557632367"/>
+      </p:ext>
+    </p:extLst>
+  </p:cSld>
+  <p:clrMapOvr>
+    <a:masterClrMapping/>
+  </p:clrMapOvr>
+</p:sld>
+</file>
+
+<file path=ppt/slides/slide6.xml><?xml version="1.0" encoding="utf-8"?>
+<p:sld xmlns:a="http://schemas.openxmlformats.org/drawingml/2006/main" xmlns:r="http://schemas.openxmlformats.org/officeDocument/2006/relationships" xmlns:p="http://schemas.openxmlformats.org/presentationml/2006/main">
+  <p:cSld>
+    <p:spTree>
+      <p:nvGrpSpPr>
+        <p:cNvPr id="1" name=""/>
+        <p:cNvGrpSpPr/>
+        <p:nvPr/>
+      </p:nvGrpSpPr>
+      <p:grpSpPr>
+        <a:xfrm>
+          <a:off x="0" y="0"/>
+          <a:ext cx="0" cy="0"/>
+          <a:chOff x="0" y="0"/>
+          <a:chExt cx="0" cy="0"/>
+        </a:xfrm>
+      </p:grpSpPr>
+      <p:sp>
+        <p:nvSpPr>
+          <p:cNvPr id="4" name="Rectangle 3">
+            <a:extLst>
+              <a:ext uri="{FF2B5EF4-FFF2-40B4-BE49-F238E27FC236}">
+                <a16:creationId xmlns:a16="http://schemas.microsoft.com/office/drawing/2014/main" id="{FA00E008-54A2-4512-819E-5D5A21A29860}"/>
+              </a:ext>
+            </a:extLst>
+          </p:cNvPr>
+          <p:cNvSpPr/>
+          <p:nvPr/>
+        </p:nvSpPr>
+        <p:spPr>
+          <a:xfrm>
+            <a:off x="5181600" y="4922981"/>
+            <a:ext cx="1828800" cy="868218"/>
+          </a:xfrm>
+          <a:prstGeom prst="rect">
+            <a:avLst/>
+          </a:prstGeom>
+        </p:spPr>
+        <p:style>
+          <a:lnRef idx="2">
+            <a:schemeClr val="accent1">
+              <a:shade val="50000"/>
+            </a:schemeClr>
+          </a:lnRef>
+          <a:fillRef idx="1">
+            <a:schemeClr val="accent1"/>
+          </a:fillRef>
+          <a:effectRef idx="0">
+            <a:schemeClr val="accent1"/>
+          </a:effectRef>
+          <a:fontRef idx="minor">
+            <a:schemeClr val="lt1"/>
+          </a:fontRef>
+        </p:style>
+        <p:txBody>
+          <a:bodyPr rtlCol="0" anchor="ctr"/>
+          <a:lstStyle/>
+          <a:p>
+            <a:pPr algn="ctr"/>
+            <a:r>
+              <a:rPr lang="en-US" dirty="0"/>
+              <a:t>Object</a:t>
+            </a:r>
+          </a:p>
+        </p:txBody>
+      </p:sp>
+      <p:cxnSp>
+        <p:nvCxnSpPr>
+          <p:cNvPr id="6" name="Straight Arrow Connector 5">
+            <a:extLst>
+              <a:ext uri="{FF2B5EF4-FFF2-40B4-BE49-F238E27FC236}">
+                <a16:creationId xmlns:a16="http://schemas.microsoft.com/office/drawing/2014/main" id="{68EA2C73-7537-412D-A657-158E1EDC50EE}"/>
+              </a:ext>
+            </a:extLst>
+          </p:cNvPr>
+          <p:cNvCxnSpPr>
+            <a:cxnSpLocks/>
+            <a:stCxn id="22" idx="2"/>
+            <a:endCxn id="4" idx="0"/>
+          </p:cNvCxnSpPr>
+          <p:nvPr/>
+        </p:nvCxnSpPr>
+        <p:spPr>
+          <a:xfrm>
+            <a:off x="6095999" y="1570182"/>
+            <a:ext cx="1" cy="3352799"/>
+          </a:xfrm>
+          <a:prstGeom prst="straightConnector1">
+            <a:avLst/>
+          </a:prstGeom>
+          <a:ln>
+            <a:tailEnd type="triangle"/>
+          </a:ln>
+        </p:spPr>
+        <p:style>
+          <a:lnRef idx="1">
+            <a:schemeClr val="accent1"/>
+          </a:lnRef>
+          <a:fillRef idx="0">
+            <a:schemeClr val="accent1"/>
+          </a:fillRef>
+          <a:effectRef idx="0">
+            <a:schemeClr val="accent1"/>
+          </a:effectRef>
+          <a:fontRef idx="minor">
+            <a:schemeClr val="tx1"/>
+          </a:fontRef>
+        </p:style>
+      </p:cxnSp>
+      <p:cxnSp>
+        <p:nvCxnSpPr>
+          <p:cNvPr id="9" name="Straight Arrow Connector 8">
+            <a:extLst>
+              <a:ext uri="{FF2B5EF4-FFF2-40B4-BE49-F238E27FC236}">
+                <a16:creationId xmlns:a16="http://schemas.microsoft.com/office/drawing/2014/main" id="{4AC07FDB-931F-421D-9968-CB95D2CE4C9B}"/>
+              </a:ext>
+            </a:extLst>
+          </p:cNvPr>
+          <p:cNvCxnSpPr>
+            <a:cxnSpLocks/>
+            <a:endCxn id="4" idx="0"/>
+          </p:cNvCxnSpPr>
+          <p:nvPr/>
+        </p:nvCxnSpPr>
+        <p:spPr>
+          <a:xfrm>
+            <a:off x="3962400" y="1570182"/>
+            <a:ext cx="2133600" cy="3352799"/>
+          </a:xfrm>
+          <a:prstGeom prst="straightConnector1">
+            <a:avLst/>
+          </a:prstGeom>
+          <a:ln>
+            <a:tailEnd type="triangle"/>
+          </a:ln>
+        </p:spPr>
+        <p:style>
+          <a:lnRef idx="1">
+            <a:schemeClr val="accent1"/>
+          </a:lnRef>
+          <a:fillRef idx="0">
+            <a:schemeClr val="accent1"/>
+          </a:fillRef>
+          <a:effectRef idx="0">
+            <a:schemeClr val="accent1"/>
+          </a:effectRef>
+          <a:fontRef idx="minor">
+            <a:schemeClr val="tx1"/>
+          </a:fontRef>
+        </p:style>
+      </p:cxnSp>
+      <p:cxnSp>
+        <p:nvCxnSpPr>
+          <p:cNvPr id="11" name="Straight Arrow Connector 10">
+            <a:extLst>
+              <a:ext uri="{FF2B5EF4-FFF2-40B4-BE49-F238E27FC236}">
+                <a16:creationId xmlns:a16="http://schemas.microsoft.com/office/drawing/2014/main" id="{030C5B51-19CC-499D-AA1B-47881705BCCB}"/>
+              </a:ext>
+            </a:extLst>
+          </p:cNvPr>
+          <p:cNvCxnSpPr>
+            <a:cxnSpLocks/>
+            <a:endCxn id="4" idx="0"/>
+          </p:cNvCxnSpPr>
+          <p:nvPr/>
+        </p:nvCxnSpPr>
+        <p:spPr>
+          <a:xfrm>
+            <a:off x="1505527" y="1570182"/>
+            <a:ext cx="4590473" cy="3352799"/>
+          </a:xfrm>
+          <a:prstGeom prst="straightConnector1">
+            <a:avLst/>
+          </a:prstGeom>
+          <a:ln>
+            <a:tailEnd type="triangle"/>
+          </a:ln>
+        </p:spPr>
+        <p:style>
+          <a:lnRef idx="1">
+            <a:schemeClr val="accent1"/>
+          </a:lnRef>
+          <a:fillRef idx="0">
+            <a:schemeClr val="accent1"/>
+          </a:fillRef>
+          <a:effectRef idx="0">
+            <a:schemeClr val="accent1"/>
+          </a:effectRef>
+          <a:fontRef idx="minor">
+            <a:schemeClr val="tx1"/>
+          </a:fontRef>
+        </p:style>
+      </p:cxnSp>
+      <p:cxnSp>
+        <p:nvCxnSpPr>
+          <p:cNvPr id="16" name="Straight Arrow Connector 15">
+            <a:extLst>
+              <a:ext uri="{FF2B5EF4-FFF2-40B4-BE49-F238E27FC236}">
+                <a16:creationId xmlns:a16="http://schemas.microsoft.com/office/drawing/2014/main" id="{6E31A52B-B4EC-4B5E-89AE-43FA4E1B1C68}"/>
+              </a:ext>
+            </a:extLst>
+          </p:cNvPr>
+          <p:cNvCxnSpPr>
+            <a:cxnSpLocks/>
+            <a:endCxn id="4" idx="0"/>
+          </p:cNvCxnSpPr>
+          <p:nvPr/>
+        </p:nvCxnSpPr>
+        <p:spPr>
+          <a:xfrm flipH="1">
+            <a:off x="6096000" y="1537854"/>
+            <a:ext cx="2059709" cy="3385127"/>
+          </a:xfrm>
+          <a:prstGeom prst="straightConnector1">
+            <a:avLst/>
+          </a:prstGeom>
+          <a:ln>
+            <a:tailEnd type="triangle"/>
+          </a:ln>
+        </p:spPr>
+        <p:style>
+          <a:lnRef idx="1">
+            <a:schemeClr val="accent1"/>
+          </a:lnRef>
+          <a:fillRef idx="0">
+            <a:schemeClr val="accent1"/>
+          </a:fillRef>
+          <a:effectRef idx="0">
+            <a:schemeClr val="accent1"/>
+          </a:effectRef>
+          <a:fontRef idx="minor">
+            <a:schemeClr val="tx1"/>
+          </a:fontRef>
+        </p:style>
+      </p:cxnSp>
+      <p:cxnSp>
+        <p:nvCxnSpPr>
+          <p:cNvPr id="20" name="Straight Arrow Connector 19">
+            <a:extLst>
+              <a:ext uri="{FF2B5EF4-FFF2-40B4-BE49-F238E27FC236}">
+                <a16:creationId xmlns:a16="http://schemas.microsoft.com/office/drawing/2014/main" id="{D55A1ABF-819C-4942-B134-AE2D955C2BD5}"/>
+              </a:ext>
+            </a:extLst>
+          </p:cNvPr>
+          <p:cNvCxnSpPr>
+            <a:cxnSpLocks/>
+            <a:endCxn id="4" idx="0"/>
+          </p:cNvCxnSpPr>
+          <p:nvPr/>
+        </p:nvCxnSpPr>
+        <p:spPr>
+          <a:xfrm flipH="1">
+            <a:off x="6096000" y="1505527"/>
+            <a:ext cx="4858327" cy="3417454"/>
+          </a:xfrm>
+          <a:prstGeom prst="straightConnector1">
+            <a:avLst/>
+          </a:prstGeom>
+          <a:ln>
+            <a:tailEnd type="triangle"/>
+          </a:ln>
+        </p:spPr>
+        <p:style>
+          <a:lnRef idx="1">
+            <a:schemeClr val="accent1"/>
+          </a:lnRef>
+          <a:fillRef idx="0">
+            <a:schemeClr val="accent1"/>
+          </a:fillRef>
+          <a:effectRef idx="0">
+            <a:schemeClr val="accent1"/>
+          </a:effectRef>
+          <a:fontRef idx="minor">
+            <a:schemeClr val="tx1"/>
+          </a:fontRef>
+        </p:style>
+      </p:cxnSp>
+      <p:sp>
+        <p:nvSpPr>
+          <p:cNvPr id="22" name="TextBox 21">
+            <a:extLst>
+              <a:ext uri="{FF2B5EF4-FFF2-40B4-BE49-F238E27FC236}">
+                <a16:creationId xmlns:a16="http://schemas.microsoft.com/office/drawing/2014/main" id="{A4A2D56E-97D4-4E61-9C01-BC2E2EAA4740}"/>
+              </a:ext>
+            </a:extLst>
+          </p:cNvPr>
+          <p:cNvSpPr txBox="1"/>
+          <p:nvPr/>
+        </p:nvSpPr>
+        <p:spPr>
+          <a:xfrm>
+            <a:off x="5905883" y="1200850"/>
+            <a:ext cx="380232" cy="369332"/>
+          </a:xfrm>
+          <a:prstGeom prst="rect">
+            <a:avLst/>
+          </a:prstGeom>
+          <a:noFill/>
+        </p:spPr>
+        <p:txBody>
+          <a:bodyPr wrap="none" rtlCol="0">
+            <a:spAutoFit/>
+          </a:bodyPr>
+          <a:lstStyle/>
+          <a:p>
+            <a:r>
+              <a:rPr lang="en-US" dirty="0"/>
+              <a:t>0°</a:t>
+            </a:r>
+          </a:p>
+        </p:txBody>
+      </p:sp>
+      <p:cxnSp>
+        <p:nvCxnSpPr>
+          <p:cNvPr id="24" name="Straight Connector 23">
+            <a:extLst>
+              <a:ext uri="{FF2B5EF4-FFF2-40B4-BE49-F238E27FC236}">
+                <a16:creationId xmlns:a16="http://schemas.microsoft.com/office/drawing/2014/main" id="{88CFDED1-5638-47FE-9687-9CE4E7117DB6}"/>
+              </a:ext>
+            </a:extLst>
+          </p:cNvPr>
+          <p:cNvCxnSpPr>
+            <a:cxnSpLocks/>
+          </p:cNvCxnSpPr>
+          <p:nvPr/>
+        </p:nvCxnSpPr>
+        <p:spPr>
+          <a:xfrm flipV="1">
+            <a:off x="1505527" y="1505527"/>
+            <a:ext cx="9448800" cy="64655"/>
+          </a:xfrm>
+          <a:prstGeom prst="line">
+            <a:avLst/>
+          </a:prstGeom>
+        </p:spPr>
+        <p:style>
+          <a:lnRef idx="1">
+            <a:schemeClr val="accent1"/>
+          </a:lnRef>
+          <a:fillRef idx="0">
+            <a:schemeClr val="accent1"/>
+          </a:fillRef>
+          <a:effectRef idx="0">
+            <a:schemeClr val="accent1"/>
+          </a:effectRef>
+          <a:fontRef idx="minor">
+            <a:schemeClr val="tx1"/>
+          </a:fontRef>
+        </p:style>
+      </p:cxnSp>
+      <p:sp>
+        <p:nvSpPr>
+          <p:cNvPr id="29" name="TextBox 28">
+            <a:extLst>
+              <a:ext uri="{FF2B5EF4-FFF2-40B4-BE49-F238E27FC236}">
+                <a16:creationId xmlns:a16="http://schemas.microsoft.com/office/drawing/2014/main" id="{D149B069-359D-4350-9C9C-4F46797BA786}"/>
+              </a:ext>
+            </a:extLst>
+          </p:cNvPr>
+          <p:cNvSpPr txBox="1"/>
+          <p:nvPr/>
+        </p:nvSpPr>
+        <p:spPr>
+          <a:xfrm>
+            <a:off x="3713774" y="1200850"/>
+            <a:ext cx="497252" cy="369332"/>
+          </a:xfrm>
+          <a:prstGeom prst="rect">
+            <a:avLst/>
+          </a:prstGeom>
+          <a:noFill/>
+        </p:spPr>
+        <p:txBody>
+          <a:bodyPr wrap="none" rtlCol="0">
+            <a:spAutoFit/>
+          </a:bodyPr>
+          <a:lstStyle/>
+          <a:p>
+            <a:r>
+              <a:rPr lang="en-US" dirty="0"/>
+              <a:t>30°</a:t>
+            </a:r>
+          </a:p>
+        </p:txBody>
+      </p:sp>
+      <p:sp>
+        <p:nvSpPr>
+          <p:cNvPr id="30" name="TextBox 29">
+            <a:extLst>
+              <a:ext uri="{FF2B5EF4-FFF2-40B4-BE49-F238E27FC236}">
+                <a16:creationId xmlns:a16="http://schemas.microsoft.com/office/drawing/2014/main" id="{56F64D02-654E-4F4F-AF1B-10E6386252AF}"/>
+              </a:ext>
+            </a:extLst>
+          </p:cNvPr>
+          <p:cNvSpPr txBox="1"/>
+          <p:nvPr/>
+        </p:nvSpPr>
+        <p:spPr>
+          <a:xfrm>
+            <a:off x="1257657" y="1200850"/>
+            <a:ext cx="497252" cy="369332"/>
+          </a:xfrm>
+          <a:prstGeom prst="rect">
+            <a:avLst/>
+          </a:prstGeom>
+          <a:noFill/>
+        </p:spPr>
+        <p:txBody>
+          <a:bodyPr wrap="none" rtlCol="0">
+            <a:spAutoFit/>
+          </a:bodyPr>
+          <a:lstStyle/>
+          <a:p>
+            <a:r>
+              <a:rPr lang="en-US" dirty="0"/>
+              <a:t>45°</a:t>
+            </a:r>
+          </a:p>
+        </p:txBody>
+      </p:sp>
+      <p:sp>
+        <p:nvSpPr>
+          <p:cNvPr id="31" name="TextBox 30">
+            <a:extLst>
+              <a:ext uri="{FF2B5EF4-FFF2-40B4-BE49-F238E27FC236}">
+                <a16:creationId xmlns:a16="http://schemas.microsoft.com/office/drawing/2014/main" id="{59A12EC4-BB40-403B-BA51-E44E1E87E1F9}"/>
+              </a:ext>
+            </a:extLst>
+          </p:cNvPr>
+          <p:cNvSpPr txBox="1"/>
+          <p:nvPr/>
+        </p:nvSpPr>
+        <p:spPr>
+          <a:xfrm>
+            <a:off x="1257657" y="775855"/>
+            <a:ext cx="6510180" cy="369332"/>
+          </a:xfrm>
+          <a:prstGeom prst="rect">
+            <a:avLst/>
+          </a:prstGeom>
+          <a:noFill/>
+        </p:spPr>
+        <p:txBody>
+          <a:bodyPr wrap="none" rtlCol="0">
+            <a:spAutoFit/>
+          </a:bodyPr>
+          <a:lstStyle/>
+          <a:p>
+            <a:r>
+              <a:rPr lang="en-US" dirty="0"/>
+              <a:t>Initially, move a drone along single axis, then move along other axes.</a:t>
+            </a:r>
+          </a:p>
+        </p:txBody>
+      </p:sp>
+      <p:sp>
+        <p:nvSpPr>
+          <p:cNvPr id="32" name="TextBox 31">
+            <a:extLst>
+              <a:ext uri="{FF2B5EF4-FFF2-40B4-BE49-F238E27FC236}">
+                <a16:creationId xmlns:a16="http://schemas.microsoft.com/office/drawing/2014/main" id="{AD27B16B-29DD-4CE9-A6BF-D759E693B429}"/>
+              </a:ext>
+            </a:extLst>
+          </p:cNvPr>
+          <p:cNvSpPr txBox="1"/>
+          <p:nvPr/>
+        </p:nvSpPr>
+        <p:spPr>
+          <a:xfrm>
+            <a:off x="7980972" y="1200850"/>
+            <a:ext cx="497252" cy="369332"/>
+          </a:xfrm>
+          <a:prstGeom prst="rect">
+            <a:avLst/>
+          </a:prstGeom>
+          <a:noFill/>
+        </p:spPr>
+        <p:txBody>
+          <a:bodyPr wrap="none" rtlCol="0">
+            <a:spAutoFit/>
+          </a:bodyPr>
+          <a:lstStyle/>
+          <a:p>
+            <a:r>
+              <a:rPr lang="en-US" dirty="0"/>
+              <a:t>30°</a:t>
+            </a:r>
+          </a:p>
+        </p:txBody>
+      </p:sp>
+      <p:sp>
+        <p:nvSpPr>
+          <p:cNvPr id="33" name="TextBox 32">
+            <a:extLst>
+              <a:ext uri="{FF2B5EF4-FFF2-40B4-BE49-F238E27FC236}">
+                <a16:creationId xmlns:a16="http://schemas.microsoft.com/office/drawing/2014/main" id="{9D829B40-CFDD-4F26-8CCA-9D156F3C4F46}"/>
+              </a:ext>
+            </a:extLst>
+          </p:cNvPr>
+          <p:cNvSpPr txBox="1"/>
+          <p:nvPr/>
+        </p:nvSpPr>
+        <p:spPr>
+          <a:xfrm>
+            <a:off x="10738043" y="1136195"/>
+            <a:ext cx="497252" cy="369332"/>
+          </a:xfrm>
+          <a:prstGeom prst="rect">
+            <a:avLst/>
+          </a:prstGeom>
+          <a:noFill/>
+        </p:spPr>
+        <p:txBody>
+          <a:bodyPr wrap="square" rtlCol="0">
+            <a:spAutoFit/>
+          </a:bodyPr>
+          <a:lstStyle/>
+          <a:p>
+            <a:r>
+              <a:rPr lang="en-US" dirty="0"/>
+              <a:t>45°</a:t>
+            </a:r>
+          </a:p>
+        </p:txBody>
+      </p:sp>
+    </p:spTree>
+    <p:extLst>
+      <p:ext uri="{BB962C8B-B14F-4D97-AF65-F5344CB8AC3E}">
+        <p14:creationId xmlns:p14="http://schemas.microsoft.com/office/powerpoint/2010/main" val="200119504"/>
+      </p:ext>
+    </p:extLst>
+  </p:cSld>
+  <p:clrMapOvr>
+    <a:masterClrMapping/>
+  </p:clrMapOvr>
+</p:sld>
+</file>
+
+<file path=ppt/slides/slide7.xml><?xml version="1.0" encoding="utf-8"?>
+<p:sld xmlns:a="http://schemas.openxmlformats.org/drawingml/2006/main" xmlns:r="http://schemas.openxmlformats.org/officeDocument/2006/relationships" xmlns:p="http://schemas.openxmlformats.org/presentationml/2006/main">
+  <p:cSld>
+    <p:spTree>
+      <p:nvGrpSpPr>
+        <p:cNvPr id="1" name=""/>
+        <p:cNvGrpSpPr/>
+        <p:nvPr/>
+      </p:nvGrpSpPr>
+      <p:grpSpPr>
+        <a:xfrm>
+          <a:off x="0" y="0"/>
+          <a:ext cx="0" cy="0"/>
+          <a:chOff x="0" y="0"/>
+          <a:chExt cx="0" cy="0"/>
+        </a:xfrm>
+      </p:grpSpPr>
+      <p:sp>
+        <p:nvSpPr>
+          <p:cNvPr id="2" name="Title 1">
+            <a:extLst>
+              <a:ext uri="{FF2B5EF4-FFF2-40B4-BE49-F238E27FC236}">
+                <a16:creationId xmlns:a16="http://schemas.microsoft.com/office/drawing/2014/main" id="{3C5DBEFA-4D61-4A5C-B747-3AF128E88BEE}"/>
+              </a:ext>
+            </a:extLst>
+          </p:cNvPr>
+          <p:cNvSpPr>
+            <a:spLocks noGrp="1"/>
+          </p:cNvSpPr>
+          <p:nvPr>
+            <p:ph type="title"/>
+          </p:nvPr>
+        </p:nvSpPr>
+        <p:spPr/>
+        <p:txBody>
+          <a:bodyPr/>
+          <a:lstStyle/>
+          <a:p>
+            <a:r>
+              <a:rPr lang="en-US" dirty="0"/>
+              <a:t>References</a:t>
+            </a:r>
+          </a:p>
+        </p:txBody>
+      </p:sp>
+      <p:sp>
+        <p:nvSpPr>
+          <p:cNvPr id="3" name="Content Placeholder 2">
+            <a:extLst>
+              <a:ext uri="{FF2B5EF4-FFF2-40B4-BE49-F238E27FC236}">
+                <a16:creationId xmlns:a16="http://schemas.microsoft.com/office/drawing/2014/main" id="{C8988441-EC1C-4D99-BD43-BC6A122A2758}"/>
+              </a:ext>
+            </a:extLst>
+          </p:cNvPr>
+          <p:cNvSpPr>
+            <a:spLocks noGrp="1"/>
+          </p:cNvSpPr>
+          <p:nvPr>
+            <p:ph idx="1"/>
+          </p:nvPr>
+        </p:nvSpPr>
+        <p:spPr/>
+        <p:txBody>
+          <a:bodyPr/>
+          <a:lstStyle/>
+          <a:p>
+            <a:r>
+              <a:rPr lang="en-US" dirty="0"/>
+              <a:t>Gadelha, M., Maji, S., Wang, R., (2016). 3D Shape Induction of 2D Views of Multiple Objects. arXiv:1612.05872[cs.CV]. Retrieved April 25, 2018, from the </a:t>
+            </a:r>
+            <a:r>
+              <a:rPr lang="en-US" dirty="0" err="1"/>
+              <a:t>arXiv</a:t>
+            </a:r>
+            <a:r>
+              <a:rPr lang="en-US" dirty="0"/>
+              <a:t> database</a:t>
+            </a:r>
+          </a:p>
+          <a:p>
+            <a:r>
+              <a:rPr lang="en-US" dirty="0"/>
+              <a:t>Nishimura, Y., (2017) Fully Convolutional Refined Auto-Encoding Generative Adversarial Networks for 3d Multi Object Scenes. Retrieved from </a:t>
+            </a:r>
+            <a:r>
+              <a:rPr lang="en-US" dirty="0">
+                <a:hlinkClick r:id="rId2"/>
+              </a:rPr>
+              <a:t>https://github.com/yunishi3/3D-FCR-alphaGAN</a:t>
+            </a:r>
+            <a:endParaRPr lang="en-US" dirty="0"/>
+          </a:p>
+          <a:p>
+            <a:r>
+              <a:rPr lang="en-US" dirty="0"/>
+              <a:t>University of Arkansas. (n.d.). Digital Photogrammetry. Retrieved from </a:t>
+            </a:r>
+            <a:r>
+              <a:rPr lang="en-US" dirty="0">
+                <a:hlinkClick r:id="rId3"/>
+              </a:rPr>
+              <a:t>http://gmv.cast.uark.edu/photogrammetry/</a:t>
+            </a:r>
+            <a:endParaRPr lang="en-US" dirty="0"/>
+          </a:p>
+          <a:p>
+            <a:endParaRPr lang="en-US" dirty="0"/>
+          </a:p>
+        </p:txBody>
+      </p:sp>
+    </p:spTree>
+    <p:extLst>
+      <p:ext uri="{BB962C8B-B14F-4D97-AF65-F5344CB8AC3E}">
+        <p14:creationId xmlns:p14="http://schemas.microsoft.com/office/powerpoint/2010/main" val="1825659432"/>
       </p:ext>
     </p:extLst>
   </p:cSld>
